--- a/Project Presentation.pptx
+++ b/Project Presentation.pptx
@@ -314,7 +314,7 @@
       </p15:notesGuideLst>
     </p:ext>
     <p:ext uri="http://customooxmlschemas.google.com/">
-      <go:slidesCustomData xmlns="" xmlns:go="http://customooxmlschemas.google.com/" xmlns:ahyp="http://schemas.microsoft.com/office/drawing/2018/hyperlinkcolor" xmlns:p15="http://schemas.microsoft.com/office/powerpoint/2012/main" xmlns:p14="http://schemas.microsoft.com/office/powerpoint/2010/main" xmlns:com="http://schemas.openxmlformats.org/drawingml/2006/compatibility" xmlns:pvml="urn:schemas-microsoft-com:office:powerpoint" xmlns:v="urn:schemas-microsoft-com:vml" xmlns:o="urn:schemas-microsoft-com:office:office" xmlns:dgm="http://schemas.openxmlformats.org/drawingml/2006/diagram" xmlns:c="http://schemas.openxmlformats.org/drawingml/2006/chart" xmlns:mv="urn:schemas-microsoft-com:mac:vml" xmlns:mc="http://schemas.openxmlformats.org/markup-compatibility/2006" r:id="rId43" roundtripDataSignature="AMtx7mjgWrUjwPw1IuOpizn+FN2DLk7LIg=="/>
+      <go:slidesCustomData xmlns:mc="http://schemas.openxmlformats.org/markup-compatibility/2006" xmlns:mv="urn:schemas-microsoft-com:mac:vml" xmlns:c="http://schemas.openxmlformats.org/drawingml/2006/chart" xmlns:dgm="http://schemas.openxmlformats.org/drawingml/2006/diagram" xmlns:o="urn:schemas-microsoft-com:office:office" xmlns:v="urn:schemas-microsoft-com:vml" xmlns:pvml="urn:schemas-microsoft-com:office:powerpoint" xmlns:com="http://schemas.openxmlformats.org/drawingml/2006/compatibility" xmlns:p14="http://schemas.microsoft.com/office/powerpoint/2010/main" xmlns:p15="http://schemas.microsoft.com/office/powerpoint/2012/main" xmlns:ahyp="http://schemas.microsoft.com/office/drawing/2018/hyperlinkcolor" xmlns:go="http://customooxmlschemas.google.com/" xmlns="" r:id="rId43" roundtripDataSignature="AMtx7mjgWrUjwPw1IuOpizn+FN2DLk7LIg=="/>
     </p:ext>
   </p:extLst>
 </p:presentation>
@@ -336,6 +336,30 @@
 <file path=ppt/changesInfos/changesInfo1.xml><?xml version="1.0" encoding="utf-8"?>
 <pc:chgInfo xmlns:a="http://schemas.openxmlformats.org/drawingml/2006/main" xmlns:r="http://schemas.openxmlformats.org/officeDocument/2006/relationships" xmlns:ac="http://schemas.microsoft.com/office/drawing/2013/main/command" xmlns:pc="http://schemas.microsoft.com/office/powerpoint/2013/main/command">
   <pc:docChgLst>
+    <pc:chgData name="Abdulaziz Alshehri" userId="b0b621106ced169d" providerId="Windows Live" clId="Web-{3D6AE47D-95D6-40EA-B6FA-8ACF42CB1150}"/>
+    <pc:docChg chg="modSld">
+      <pc:chgData name="Abdulaziz Alshehri" userId="b0b621106ced169d" providerId="Windows Live" clId="Web-{3D6AE47D-95D6-40EA-B6FA-8ACF42CB1150}" dt="2023-12-14T05:27:36.688" v="0" actId="1076"/>
+      <pc:docMkLst>
+        <pc:docMk/>
+      </pc:docMkLst>
+      <pc:sldChg chg="modSp">
+        <pc:chgData name="Abdulaziz Alshehri" userId="b0b621106ced169d" providerId="Windows Live" clId="Web-{3D6AE47D-95D6-40EA-B6FA-8ACF42CB1150}" dt="2023-12-14T05:27:36.688" v="0" actId="1076"/>
+        <pc:sldMkLst>
+          <pc:docMk/>
+          <pc:sldMk cId="0" sldId="289"/>
+        </pc:sldMkLst>
+        <pc:spChg chg="mod">
+          <ac:chgData name="Abdulaziz Alshehri" userId="b0b621106ced169d" providerId="Windows Live" clId="Web-{3D6AE47D-95D6-40EA-B6FA-8ACF42CB1150}" dt="2023-12-14T05:27:36.688" v="0" actId="1076"/>
+          <ac:spMkLst>
+            <pc:docMk/>
+            <pc:sldMk cId="0" sldId="289"/>
+            <ac:spMk id="173" creationId="{00000000-0000-0000-0000-000000000000}"/>
+          </ac:spMkLst>
+        </pc:spChg>
+      </pc:sldChg>
+    </pc:docChg>
+  </pc:docChgLst>
+  <pc:docChgLst>
     <pc:chgData name="Abdulaziz Alshehri" userId="b0b621106ced169d" providerId="Windows Live" clId="Web-{877F4A39-FFCD-4593-8826-B62A25F25DEE}"/>
     <pc:docChg chg="modSld">
       <pc:chgData name="Abdulaziz Alshehri" userId="b0b621106ced169d" providerId="Windows Live" clId="Web-{877F4A39-FFCD-4593-8826-B62A25F25DEE}" dt="2023-12-11T11:28:17.533" v="21"/>
@@ -356,30 +380,6 @@
             <ac:graphicFrameMk id="5" creationId="{00000000-0000-0000-0000-000000000000}"/>
           </ac:graphicFrameMkLst>
         </pc:graphicFrameChg>
-      </pc:sldChg>
-    </pc:docChg>
-  </pc:docChgLst>
-  <pc:docChgLst>
-    <pc:chgData name="Abdulaziz Alshehri" userId="b0b621106ced169d" providerId="Windows Live" clId="Web-{3D6AE47D-95D6-40EA-B6FA-8ACF42CB1150}"/>
-    <pc:docChg chg="modSld">
-      <pc:chgData name="Abdulaziz Alshehri" userId="b0b621106ced169d" providerId="Windows Live" clId="Web-{3D6AE47D-95D6-40EA-B6FA-8ACF42CB1150}" dt="2023-12-14T05:27:36.688" v="0" actId="1076"/>
-      <pc:docMkLst>
-        <pc:docMk/>
-      </pc:docMkLst>
-      <pc:sldChg chg="modSp">
-        <pc:chgData name="Abdulaziz Alshehri" userId="b0b621106ced169d" providerId="Windows Live" clId="Web-{3D6AE47D-95D6-40EA-B6FA-8ACF42CB1150}" dt="2023-12-14T05:27:36.688" v="0" actId="1076"/>
-        <pc:sldMkLst>
-          <pc:docMk/>
-          <pc:sldMk cId="0" sldId="289"/>
-        </pc:sldMkLst>
-        <pc:spChg chg="mod">
-          <ac:chgData name="Abdulaziz Alshehri" userId="b0b621106ced169d" providerId="Windows Live" clId="Web-{3D6AE47D-95D6-40EA-B6FA-8ACF42CB1150}" dt="2023-12-14T05:27:36.688" v="0" actId="1076"/>
-          <ac:spMkLst>
-            <pc:docMk/>
-            <pc:sldMk cId="0" sldId="289"/>
-            <ac:spMk id="173" creationId="{00000000-0000-0000-0000-000000000000}"/>
-          </ac:spMkLst>
-        </pc:spChg>
       </pc:sldChg>
     </pc:docChg>
   </pc:docChgLst>
@@ -846,6 +846,60 @@
     </pc:docChg>
   </pc:docChgLst>
   <pc:docChgLst>
+    <pc:chgData name="Haithem Albetairi" userId="366f22e93a01c9cc" providerId="Windows Live" clId="Web-{9B9AF5AE-3C93-4827-A0ED-E407A7CFB17B}"/>
+    <pc:docChg chg="modSld">
+      <pc:chgData name="Haithem Albetairi" userId="366f22e93a01c9cc" providerId="Windows Live" clId="Web-{9B9AF5AE-3C93-4827-A0ED-E407A7CFB17B}" dt="2023-12-11T14:07:40.931" v="553" actId="20577"/>
+      <pc:docMkLst>
+        <pc:docMk/>
+      </pc:docMkLst>
+      <pc:sldChg chg="modSp">
+        <pc:chgData name="Haithem Albetairi" userId="366f22e93a01c9cc" providerId="Windows Live" clId="Web-{9B9AF5AE-3C93-4827-A0ED-E407A7CFB17B}" dt="2023-12-11T13:52:30.136" v="326"/>
+        <pc:sldMkLst>
+          <pc:docMk/>
+          <pc:sldMk cId="0" sldId="273"/>
+        </pc:sldMkLst>
+        <pc:graphicFrameChg chg="mod modGraphic">
+          <ac:chgData name="Haithem Albetairi" userId="366f22e93a01c9cc" providerId="Windows Live" clId="Web-{9B9AF5AE-3C93-4827-A0ED-E407A7CFB17B}" dt="2023-12-11T13:52:30.136" v="326"/>
+          <ac:graphicFrameMkLst>
+            <pc:docMk/>
+            <pc:sldMk cId="0" sldId="273"/>
+            <ac:graphicFrameMk id="255" creationId="{00000000-0000-0000-0000-000000000000}"/>
+          </ac:graphicFrameMkLst>
+        </pc:graphicFrameChg>
+      </pc:sldChg>
+      <pc:sldChg chg="modSp">
+        <pc:chgData name="Haithem Albetairi" userId="366f22e93a01c9cc" providerId="Windows Live" clId="Web-{9B9AF5AE-3C93-4827-A0ED-E407A7CFB17B}" dt="2023-12-11T13:55:25.564" v="452" actId="20577"/>
+        <pc:sldMkLst>
+          <pc:docMk/>
+          <pc:sldMk cId="0" sldId="290"/>
+        </pc:sldMkLst>
+        <pc:spChg chg="mod">
+          <ac:chgData name="Haithem Albetairi" userId="366f22e93a01c9cc" providerId="Windows Live" clId="Web-{9B9AF5AE-3C93-4827-A0ED-E407A7CFB17B}" dt="2023-12-11T13:55:25.564" v="452" actId="20577"/>
+          <ac:spMkLst>
+            <pc:docMk/>
+            <pc:sldMk cId="0" sldId="290"/>
+            <ac:spMk id="182" creationId="{00000000-0000-0000-0000-000000000000}"/>
+          </ac:spMkLst>
+        </pc:spChg>
+      </pc:sldChg>
+      <pc:sldChg chg="modSp">
+        <pc:chgData name="Haithem Albetairi" userId="366f22e93a01c9cc" providerId="Windows Live" clId="Web-{9B9AF5AE-3C93-4827-A0ED-E407A7CFB17B}" dt="2023-12-11T14:07:40.931" v="553" actId="20577"/>
+        <pc:sldMkLst>
+          <pc:docMk/>
+          <pc:sldMk cId="0" sldId="297"/>
+        </pc:sldMkLst>
+        <pc:spChg chg="mod">
+          <ac:chgData name="Haithem Albetairi" userId="366f22e93a01c9cc" providerId="Windows Live" clId="Web-{9B9AF5AE-3C93-4827-A0ED-E407A7CFB17B}" dt="2023-12-11T14:07:40.931" v="553" actId="20577"/>
+          <ac:spMkLst>
+            <pc:docMk/>
+            <pc:sldMk cId="0" sldId="297"/>
+            <ac:spMk id="246" creationId="{00000000-0000-0000-0000-000000000000}"/>
+          </ac:spMkLst>
+        </pc:spChg>
+      </pc:sldChg>
+    </pc:docChg>
+  </pc:docChgLst>
+  <pc:docChgLst>
     <pc:chgData name="Abdulaziz Alshehri" userId="b0b621106ced169d" providerId="Windows Live" clId="Web-{FCC24997-5679-45E8-8FA7-899B431376D9}"/>
     <pc:docChg chg="addSld delSld modSld">
       <pc:chgData name="Abdulaziz Alshehri" userId="b0b621106ced169d" providerId="Windows Live" clId="Web-{FCC24997-5679-45E8-8FA7-899B431376D9}" dt="2023-12-10T08:26:38.385" v="740" actId="20577"/>
@@ -940,60 +994,6 @@
             <pc:docMk/>
             <pc:sldMk cId="2957500647" sldId="284"/>
             <ac:spMk id="3" creationId="{DC35D2EC-EABA-C557-B58B-08523379735F}"/>
-          </ac:spMkLst>
-        </pc:spChg>
-      </pc:sldChg>
-    </pc:docChg>
-  </pc:docChgLst>
-  <pc:docChgLst>
-    <pc:chgData name="Haithem Albetairi" userId="366f22e93a01c9cc" providerId="Windows Live" clId="Web-{9B9AF5AE-3C93-4827-A0ED-E407A7CFB17B}"/>
-    <pc:docChg chg="modSld">
-      <pc:chgData name="Haithem Albetairi" userId="366f22e93a01c9cc" providerId="Windows Live" clId="Web-{9B9AF5AE-3C93-4827-A0ED-E407A7CFB17B}" dt="2023-12-11T14:07:40.931" v="553" actId="20577"/>
-      <pc:docMkLst>
-        <pc:docMk/>
-      </pc:docMkLst>
-      <pc:sldChg chg="modSp">
-        <pc:chgData name="Haithem Albetairi" userId="366f22e93a01c9cc" providerId="Windows Live" clId="Web-{9B9AF5AE-3C93-4827-A0ED-E407A7CFB17B}" dt="2023-12-11T13:52:30.136" v="326"/>
-        <pc:sldMkLst>
-          <pc:docMk/>
-          <pc:sldMk cId="0" sldId="273"/>
-        </pc:sldMkLst>
-        <pc:graphicFrameChg chg="mod modGraphic">
-          <ac:chgData name="Haithem Albetairi" userId="366f22e93a01c9cc" providerId="Windows Live" clId="Web-{9B9AF5AE-3C93-4827-A0ED-E407A7CFB17B}" dt="2023-12-11T13:52:30.136" v="326"/>
-          <ac:graphicFrameMkLst>
-            <pc:docMk/>
-            <pc:sldMk cId="0" sldId="273"/>
-            <ac:graphicFrameMk id="255" creationId="{00000000-0000-0000-0000-000000000000}"/>
-          </ac:graphicFrameMkLst>
-        </pc:graphicFrameChg>
-      </pc:sldChg>
-      <pc:sldChg chg="modSp">
-        <pc:chgData name="Haithem Albetairi" userId="366f22e93a01c9cc" providerId="Windows Live" clId="Web-{9B9AF5AE-3C93-4827-A0ED-E407A7CFB17B}" dt="2023-12-11T13:55:25.564" v="452" actId="20577"/>
-        <pc:sldMkLst>
-          <pc:docMk/>
-          <pc:sldMk cId="0" sldId="290"/>
-        </pc:sldMkLst>
-        <pc:spChg chg="mod">
-          <ac:chgData name="Haithem Albetairi" userId="366f22e93a01c9cc" providerId="Windows Live" clId="Web-{9B9AF5AE-3C93-4827-A0ED-E407A7CFB17B}" dt="2023-12-11T13:55:25.564" v="452" actId="20577"/>
-          <ac:spMkLst>
-            <pc:docMk/>
-            <pc:sldMk cId="0" sldId="290"/>
-            <ac:spMk id="182" creationId="{00000000-0000-0000-0000-000000000000}"/>
-          </ac:spMkLst>
-        </pc:spChg>
-      </pc:sldChg>
-      <pc:sldChg chg="modSp">
-        <pc:chgData name="Haithem Albetairi" userId="366f22e93a01c9cc" providerId="Windows Live" clId="Web-{9B9AF5AE-3C93-4827-A0ED-E407A7CFB17B}" dt="2023-12-11T14:07:40.931" v="553" actId="20577"/>
-        <pc:sldMkLst>
-          <pc:docMk/>
-          <pc:sldMk cId="0" sldId="297"/>
-        </pc:sldMkLst>
-        <pc:spChg chg="mod">
-          <ac:chgData name="Haithem Albetairi" userId="366f22e93a01c9cc" providerId="Windows Live" clId="Web-{9B9AF5AE-3C93-4827-A0ED-E407A7CFB17B}" dt="2023-12-11T14:07:40.931" v="553" actId="20577"/>
-          <ac:spMkLst>
-            <pc:docMk/>
-            <pc:sldMk cId="0" sldId="297"/>
-            <ac:spMk id="246" creationId="{00000000-0000-0000-0000-000000000000}"/>
           </ac:spMkLst>
         </pc:spChg>
       </pc:sldChg>
@@ -6013,7 +6013,7 @@
           <a:p>
             <a:fld id="{A5D3794B-289A-4A80-97D7-111025398D45}" type="datetimeFigureOut">
               <a:rPr lang="en-US" dirty="0"/>
-              <a:t>12/13/2023</a:t>
+              <a:t>12/16/2023</a:t>
             </a:fld>
             <a:endParaRPr lang="en-US"/>
           </a:p>
@@ -9513,13 +9513,13 @@
   <p:clrMapOvr>
     <a:masterClrMapping/>
   </p:clrMapOvr>
-  <mc:AlternateContent xmlns:mc="http://schemas.openxmlformats.org/markup-compatibility/2006" xmlns:p14="http://schemas.microsoft.com/office/powerpoint/2010/main">
-    <mc:Choice Requires="p14">
+  <mc:AlternateContent xmlns:mc="http://schemas.openxmlformats.org/markup-compatibility/2006">
+    <mc:Choice xmlns:p14="http://schemas.microsoft.com/office/powerpoint/2010/main" Requires="p14">
       <p:transition spd="med" p14:dur="700">
         <p:fade/>
       </p:transition>
     </mc:Choice>
-    <mc:Fallback xmlns="">
+    <mc:Fallback>
       <p:transition spd="med">
         <p:fade/>
       </p:transition>
@@ -19599,13 +19599,13 @@
   <p:clrMapOvr>
     <a:masterClrMapping/>
   </p:clrMapOvr>
-  <mc:AlternateContent xmlns:mc="http://schemas.openxmlformats.org/markup-compatibility/2006" xmlns:p14="http://schemas.microsoft.com/office/powerpoint/2010/main">
-    <mc:Choice Requires="p14">
+  <mc:AlternateContent xmlns:mc="http://schemas.openxmlformats.org/markup-compatibility/2006">
+    <mc:Choice xmlns:p14="http://schemas.microsoft.com/office/powerpoint/2010/main" Requires="p14">
       <p:transition spd="med" p14:dur="700">
         <p:fade/>
       </p:transition>
     </mc:Choice>
-    <mc:Fallback xmlns="">
+    <mc:Fallback>
       <p:transition spd="med">
         <p:fade/>
       </p:transition>
@@ -31613,13 +31613,13 @@
   <p:clrMapOvr>
     <a:masterClrMapping/>
   </p:clrMapOvr>
-  <mc:AlternateContent xmlns:mc="http://schemas.openxmlformats.org/markup-compatibility/2006" xmlns:p14="http://schemas.microsoft.com/office/powerpoint/2010/main">
-    <mc:Choice Requires="p14">
+  <mc:AlternateContent xmlns:mc="http://schemas.openxmlformats.org/markup-compatibility/2006">
+    <mc:Choice xmlns:p14="http://schemas.microsoft.com/office/powerpoint/2010/main" Requires="p14">
       <p:transition spd="med" p14:dur="700">
         <p:fade/>
       </p:transition>
     </mc:Choice>
-    <mc:Fallback xmlns="">
+    <mc:Fallback>
       <p:transition spd="med">
         <p:fade/>
       </p:transition>
@@ -32026,13 +32026,13 @@
   <p:clrMapOvr>
     <a:masterClrMapping/>
   </p:clrMapOvr>
-  <mc:AlternateContent xmlns:mc="http://schemas.openxmlformats.org/markup-compatibility/2006" xmlns:p14="http://schemas.microsoft.com/office/powerpoint/2010/main">
-    <mc:Choice Requires="p14">
+  <mc:AlternateContent xmlns:mc="http://schemas.openxmlformats.org/markup-compatibility/2006">
+    <mc:Choice xmlns:p14="http://schemas.microsoft.com/office/powerpoint/2010/main" Requires="p14">
       <p:transition spd="med" p14:dur="700">
         <p:fade/>
       </p:transition>
     </mc:Choice>
-    <mc:Fallback xmlns="">
+    <mc:Fallback>
       <p:transition spd="med">
         <p:fade/>
       </p:transition>
@@ -33123,13 +33123,13 @@
     <p:sldLayoutId id="2147483659" r:id="rId12"/>
     <p:sldLayoutId id="2147483660" r:id="rId13"/>
   </p:sldLayoutIdLst>
-  <mc:AlternateContent xmlns:mc="http://schemas.openxmlformats.org/markup-compatibility/2006" xmlns:p14="http://schemas.microsoft.com/office/powerpoint/2010/main">
-    <mc:Choice Requires="p14">
+  <mc:AlternateContent xmlns:mc="http://schemas.openxmlformats.org/markup-compatibility/2006">
+    <mc:Choice xmlns:p14="http://schemas.microsoft.com/office/powerpoint/2010/main" Requires="p14">
       <p:transition spd="med" p14:dur="700">
         <p:fade/>
       </p:transition>
     </mc:Choice>
-    <mc:Fallback xmlns="">
+    <mc:Fallback>
       <p:transition spd="med">
         <p:fade/>
       </p:transition>
@@ -34449,13 +34449,13 @@
   <p:clrMapOvr>
     <a:masterClrMapping/>
   </p:clrMapOvr>
-  <mc:AlternateContent xmlns:mc="http://schemas.openxmlformats.org/markup-compatibility/2006" xmlns:p14="http://schemas.microsoft.com/office/powerpoint/2010/main">
-    <mc:Choice Requires="p14">
+  <mc:AlternateContent xmlns:mc="http://schemas.openxmlformats.org/markup-compatibility/2006">
+    <mc:Choice xmlns:p14="http://schemas.microsoft.com/office/powerpoint/2010/main" Requires="p14">
       <p:transition spd="med" p14:dur="700">
         <p:fade/>
       </p:transition>
     </mc:Choice>
-    <mc:Fallback xmlns="">
+    <mc:Fallback>
       <p:transition spd="med">
         <p:fade/>
       </p:transition>
@@ -38937,13 +38937,13 @@
   <p:clrMapOvr>
     <a:masterClrMapping/>
   </p:clrMapOvr>
-  <mc:AlternateContent xmlns:mc="http://schemas.openxmlformats.org/markup-compatibility/2006" xmlns:p14="http://schemas.microsoft.com/office/powerpoint/2010/main">
-    <mc:Choice Requires="p14">
+  <mc:AlternateContent xmlns:mc="http://schemas.openxmlformats.org/markup-compatibility/2006">
+    <mc:Choice xmlns:p14="http://schemas.microsoft.com/office/powerpoint/2010/main" Requires="p14">
       <p:transition spd="med" p14:dur="700">
         <p:fade/>
       </p:transition>
     </mc:Choice>
-    <mc:Fallback xmlns="">
+    <mc:Fallback>
       <p:transition spd="med">
         <p:fade/>
       </p:transition>
@@ -40472,13 +40472,13 @@
   <p:clrMapOvr>
     <a:masterClrMapping/>
   </p:clrMapOvr>
-  <mc:AlternateContent xmlns:mc="http://schemas.openxmlformats.org/markup-compatibility/2006" xmlns:p14="http://schemas.microsoft.com/office/powerpoint/2010/main">
-    <mc:Choice Requires="p14">
+  <mc:AlternateContent xmlns:mc="http://schemas.openxmlformats.org/markup-compatibility/2006">
+    <mc:Choice xmlns:p14="http://schemas.microsoft.com/office/powerpoint/2010/main" Requires="p14">
       <p:transition spd="med" p14:dur="700">
         <p:fade/>
       </p:transition>
     </mc:Choice>
-    <mc:Fallback xmlns="">
+    <mc:Fallback>
       <p:transition spd="med">
         <p:fade/>
       </p:transition>
